--- a/ppt/kenya_digital_lending_deck.pptx
+++ b/ppt/kenya_digital_lending_deck.pptx
@@ -27266,7 +27266,13 @@
         <p:nvGraphicFramePr>
           <p:cNvPr id="250" name="Google Shape;250;p18"/>
           <p:cNvGraphicFramePr/>
-          <p:nvPr/>
+          <p:nvPr>
+            <p:extLst>
+              <p:ext uri="{D42A27DB-BD31-4B8C-83A1-F6EECF244321}">
+                <p14:modId xmlns:p14="http://schemas.microsoft.com/office/powerpoint/2010/main" val="2211910255"/>
+              </p:ext>
+            </p:extLst>
+          </p:nvPr>
         </p:nvGraphicFramePr>
         <p:xfrm>
           <a:off x="428625" y="2085975"/>
@@ -27322,7 +27328,7 @@
                     <a:bodyPr/>
                     <a:lstStyle/>
                     <a:p>
-                      <a:pPr marL="0" marR="0" lvl="0" indent="0" algn="l" rtl="0">
+                      <a:pPr marL="0" marR="0" lvl="0" indent="0" algn="ctr" rtl="0">
                         <a:spcBef>
                           <a:spcPts val="0"/>
                         </a:spcBef>
@@ -27332,7 +27338,7 @@
                         <a:buNone/>
                       </a:pPr>
                       <a:r>
-                        <a:rPr lang="en-US" sz="1125" b="1" i="0" u="none" strike="noStrike" cap="none">
+                        <a:rPr lang="en-US" sz="1125" b="1" i="0" u="none" strike="noStrike" cap="none" dirty="0">
                           <a:solidFill>
                             <a:srgbClr val="E8F0FF"/>
                           </a:solidFill>
@@ -27343,7 +27349,7 @@
                         </a:rPr>
                         <a:t>Segment</a:t>
                       </a:r>
-                      <a:endParaRPr/>
+                      <a:endParaRPr dirty="0"/>
                     </a:p>
                   </a:txBody>
                   <a:tcPr marL="63500" marR="63500" marT="25400" marB="25400" anchor="ctr">
@@ -27401,7 +27407,7 @@
                     <a:bodyPr/>
                     <a:lstStyle/>
                     <a:p>
-                      <a:pPr marL="0" marR="0" lvl="0" indent="0" algn="l" rtl="0">
+                      <a:pPr marL="0" marR="0" lvl="0" indent="0" algn="ctr" rtl="0">
                         <a:spcBef>
                           <a:spcPts val="0"/>
                         </a:spcBef>
@@ -27411,7 +27417,7 @@
                         <a:buNone/>
                       </a:pPr>
                       <a:r>
-                        <a:rPr lang="en-US" sz="1125" b="1" i="0" u="none" strike="noStrike" cap="none">
+                        <a:rPr lang="en-US" sz="1125" b="1" i="0" u="none" strike="noStrike" cap="none" dirty="0">
                           <a:solidFill>
                             <a:srgbClr val="E8F0FF"/>
                           </a:solidFill>
@@ -27422,7 +27428,7 @@
                         </a:rPr>
                         <a:t>Portfolio Share</a:t>
                       </a:r>
-                      <a:endParaRPr/>
+                      <a:endParaRPr dirty="0"/>
                     </a:p>
                   </a:txBody>
                   <a:tcPr marL="63500" marR="63500" marT="25400" marB="25400" anchor="ctr">
@@ -27480,7 +27486,7 @@
                     <a:bodyPr/>
                     <a:lstStyle/>
                     <a:p>
-                      <a:pPr marL="0" marR="0" lvl="0" indent="0" algn="l" rtl="0">
+                      <a:pPr marL="0" marR="0" lvl="0" indent="0" algn="ctr" rtl="0">
                         <a:spcBef>
                           <a:spcPts val="0"/>
                         </a:spcBef>
@@ -27490,7 +27496,7 @@
                         <a:buNone/>
                       </a:pPr>
                       <a:r>
-                        <a:rPr lang="en-US" sz="1125" b="1" i="0" u="none" strike="noStrike" cap="none">
+                        <a:rPr lang="en-US" sz="1125" b="1" i="0" u="none" strike="noStrike" cap="none" dirty="0">
                           <a:solidFill>
                             <a:srgbClr val="E8F0FF"/>
                           </a:solidFill>
@@ -27501,7 +27507,7 @@
                         </a:rPr>
                         <a:t>PD</a:t>
                       </a:r>
-                      <a:endParaRPr/>
+                      <a:endParaRPr dirty="0"/>
                     </a:p>
                   </a:txBody>
                   <a:tcPr marL="63500" marR="63500" marT="25400" marB="25400" anchor="ctr">
@@ -27559,7 +27565,7 @@
                     <a:bodyPr/>
                     <a:lstStyle/>
                     <a:p>
-                      <a:pPr marL="0" marR="0" lvl="0" indent="0" algn="l" rtl="0">
+                      <a:pPr marL="0" marR="0" lvl="0" indent="0" algn="ctr" rtl="0">
                         <a:spcBef>
                           <a:spcPts val="0"/>
                         </a:spcBef>
@@ -27569,7 +27575,7 @@
                         <a:buNone/>
                       </a:pPr>
                       <a:r>
-                        <a:rPr lang="en-US" sz="1125" b="1" i="0" u="none" strike="noStrike" cap="none">
+                        <a:rPr lang="en-US" sz="1125" b="1" i="0" u="none" strike="noStrike" cap="none" dirty="0">
                           <a:solidFill>
                             <a:srgbClr val="E8F0FF"/>
                           </a:solidFill>
@@ -27580,7 +27586,7 @@
                         </a:rPr>
                         <a:t>LGD</a:t>
                       </a:r>
-                      <a:endParaRPr/>
+                      <a:endParaRPr dirty="0"/>
                     </a:p>
                   </a:txBody>
                   <a:tcPr marL="63500" marR="63500" marT="25400" marB="25400" anchor="ctr">
@@ -27638,7 +27644,7 @@
                     <a:bodyPr/>
                     <a:lstStyle/>
                     <a:p>
-                      <a:pPr marL="0" marR="0" lvl="0" indent="0" algn="l" rtl="0">
+                      <a:pPr marL="0" marR="0" lvl="0" indent="0" algn="ctr" rtl="0">
                         <a:spcBef>
                           <a:spcPts val="0"/>
                         </a:spcBef>
@@ -27648,7 +27654,7 @@
                         <a:buNone/>
                       </a:pPr>
                       <a:r>
-                        <a:rPr lang="en-US" sz="1125" b="1" i="0" u="none" strike="noStrike" cap="none">
+                        <a:rPr lang="en-US" sz="1125" b="1" i="0" u="none" strike="noStrike" cap="none" dirty="0">
                           <a:solidFill>
                             <a:srgbClr val="E8F0FF"/>
                           </a:solidFill>
@@ -27659,7 +27665,7 @@
                         </a:rPr>
                         <a:t>Recommended APR</a:t>
                       </a:r>
-                      <a:endParaRPr/>
+                      <a:endParaRPr dirty="0"/>
                     </a:p>
                   </a:txBody>
                   <a:tcPr marL="63500" marR="63500" marT="25400" marB="25400" anchor="ctr">
@@ -27724,7 +27730,7 @@
                     <a:bodyPr/>
                     <a:lstStyle/>
                     <a:p>
-                      <a:pPr marL="0" marR="0" lvl="0" indent="0" algn="l" rtl="0">
+                      <a:pPr marL="0" marR="0" lvl="0" indent="0" algn="ctr" rtl="0">
                         <a:spcBef>
                           <a:spcPts val="0"/>
                         </a:spcBef>
@@ -27734,7 +27740,7 @@
                         <a:buNone/>
                       </a:pPr>
                       <a:r>
-                        <a:rPr lang="en-US" sz="1125" b="0" i="0" u="none" strike="noStrike" cap="none">
+                        <a:rPr lang="en-US" sz="1125" b="0" i="0" u="none" strike="noStrike" cap="none" dirty="0">
                           <a:solidFill>
                             <a:srgbClr val="C8D4F0"/>
                           </a:solidFill>
@@ -27744,6 +27750,164 @@
                           <a:sym typeface="Calibri"/>
                         </a:rPr>
                         <a:t>Prime</a:t>
+                      </a:r>
+                      <a:endParaRPr dirty="0"/>
+                    </a:p>
+                  </a:txBody>
+                  <a:tcPr marL="63500" marR="63500" marT="25400" marB="25400" anchor="ctr">
+                    <a:lnL w="9525" cap="flat" cmpd="sng">
+                      <a:solidFill>
+                        <a:srgbClr val="000000">
+                          <a:alpha val="0"/>
+                        </a:srgbClr>
+                      </a:solidFill>
+                      <a:prstDash val="solid"/>
+                      <a:round/>
+                      <a:headEnd type="none" w="sm" len="sm"/>
+                      <a:tailEnd type="none" w="sm" len="sm"/>
+                    </a:lnL>
+                    <a:lnR w="9525" cap="flat" cmpd="sng">
+                      <a:solidFill>
+                        <a:srgbClr val="000000">
+                          <a:alpha val="0"/>
+                        </a:srgbClr>
+                      </a:solidFill>
+                      <a:prstDash val="solid"/>
+                      <a:round/>
+                      <a:headEnd type="none" w="sm" len="sm"/>
+                      <a:tailEnd type="none" w="sm" len="sm"/>
+                    </a:lnR>
+                    <a:lnT w="9525" cap="flat" cmpd="sng">
+                      <a:solidFill>
+                        <a:srgbClr val="000000">
+                          <a:alpha val="0"/>
+                        </a:srgbClr>
+                      </a:solidFill>
+                      <a:prstDash val="solid"/>
+                      <a:round/>
+                      <a:headEnd type="none" w="sm" len="sm"/>
+                      <a:tailEnd type="none" w="sm" len="sm"/>
+                    </a:lnT>
+                    <a:lnB w="9525" cap="flat" cmpd="sng">
+                      <a:solidFill>
+                        <a:srgbClr val="000000">
+                          <a:alpha val="0"/>
+                        </a:srgbClr>
+                      </a:solidFill>
+                      <a:prstDash val="solid"/>
+                      <a:round/>
+                      <a:headEnd type="none" w="sm" len="sm"/>
+                      <a:tailEnd type="none" w="sm" len="sm"/>
+                    </a:lnB>
+                    <a:solidFill>
+                      <a:srgbClr val="0F1420"/>
+                    </a:solidFill>
+                  </a:tcPr>
+                </a:tc>
+                <a:tc>
+                  <a:txBody>
+                    <a:bodyPr/>
+                    <a:lstStyle/>
+                    <a:p>
+                      <a:pPr marL="0" marR="0" lvl="0" indent="0" algn="ctr" rtl="0">
+                        <a:spcBef>
+                          <a:spcPts val="0"/>
+                        </a:spcBef>
+                        <a:spcAft>
+                          <a:spcPts val="0"/>
+                        </a:spcAft>
+                        <a:buNone/>
+                      </a:pPr>
+                      <a:r>
+                        <a:rPr lang="en-US" sz="1125" b="0" i="0" u="none" strike="noStrike" cap="none" dirty="0">
+                          <a:solidFill>
+                            <a:srgbClr val="C8D4F0"/>
+                          </a:solidFill>
+                          <a:latin typeface="Calibri"/>
+                          <a:ea typeface="Calibri"/>
+                          <a:cs typeface="Calibri"/>
+                          <a:sym typeface="Calibri"/>
+                        </a:rPr>
+                        <a:t>35%</a:t>
+                      </a:r>
+                      <a:endParaRPr dirty="0"/>
+                    </a:p>
+                  </a:txBody>
+                  <a:tcPr marL="63500" marR="63500" marT="25400" marB="25400" anchor="ctr">
+                    <a:lnL w="9525" cap="flat" cmpd="sng">
+                      <a:solidFill>
+                        <a:srgbClr val="000000">
+                          <a:alpha val="0"/>
+                        </a:srgbClr>
+                      </a:solidFill>
+                      <a:prstDash val="solid"/>
+                      <a:round/>
+                      <a:headEnd type="none" w="sm" len="sm"/>
+                      <a:tailEnd type="none" w="sm" len="sm"/>
+                    </a:lnL>
+                    <a:lnR w="9525" cap="flat" cmpd="sng">
+                      <a:solidFill>
+                        <a:srgbClr val="000000">
+                          <a:alpha val="0"/>
+                        </a:srgbClr>
+                      </a:solidFill>
+                      <a:prstDash val="solid"/>
+                      <a:round/>
+                      <a:headEnd type="none" w="sm" len="sm"/>
+                      <a:tailEnd type="none" w="sm" len="sm"/>
+                    </a:lnR>
+                    <a:lnT w="9525" cap="flat" cmpd="sng">
+                      <a:solidFill>
+                        <a:srgbClr val="000000">
+                          <a:alpha val="0"/>
+                        </a:srgbClr>
+                      </a:solidFill>
+                      <a:prstDash val="solid"/>
+                      <a:round/>
+                      <a:headEnd type="none" w="sm" len="sm"/>
+                      <a:tailEnd type="none" w="sm" len="sm"/>
+                    </a:lnT>
+                    <a:lnB w="9525" cap="flat" cmpd="sng">
+                      <a:solidFill>
+                        <a:srgbClr val="000000">
+                          <a:alpha val="0"/>
+                        </a:srgbClr>
+                      </a:solidFill>
+                      <a:prstDash val="solid"/>
+                      <a:round/>
+                      <a:headEnd type="none" w="sm" len="sm"/>
+                      <a:tailEnd type="none" w="sm" len="sm"/>
+                    </a:lnB>
+                    <a:solidFill>
+                      <a:srgbClr val="0F1420"/>
+                    </a:solidFill>
+                  </a:tcPr>
+                </a:tc>
+                <a:tc>
+                  <a:txBody>
+                    <a:bodyPr/>
+                    <a:lstStyle/>
+                    <a:p>
+                      <a:pPr marL="0" marR="0" lvl="0" indent="0" algn="ctr" rtl="0">
+                        <a:spcBef>
+                          <a:spcPts val="0"/>
+                        </a:spcBef>
+                        <a:spcAft>
+                          <a:spcPts val="0"/>
+                        </a:spcAft>
+                        <a:buNone/>
+                      </a:pPr>
+                      <a:r>
+                        <a:rPr lang="en-US" sz="1275" b="1" i="0" u="none" strike="noStrike" cap="none">
+                          <a:solidFill>
+                            <a:srgbClr val="00D4A0"/>
+                          </a:solidFill>
+                          <a:latin typeface="Calibri"/>
+                          <a:ea typeface="Calibri"/>
+                          <a:cs typeface="Calibri"/>
+                          <a:sym typeface="Calibri"/>
+                        </a:rPr>
+                        <a:t>3.20%</a:t>
                       </a:r>
                       <a:endParaRPr/>
                     </a:p>
@@ -27803,7 +27967,7 @@
                     <a:bodyPr/>
                     <a:lstStyle/>
                     <a:p>
-                      <a:pPr marL="0" marR="0" lvl="0" indent="0" algn="l" rtl="0">
+                      <a:pPr marL="0" marR="0" lvl="0" indent="0" algn="ctr" rtl="0">
                         <a:spcBef>
                           <a:spcPts val="0"/>
                         </a:spcBef>
@@ -27882,165 +28046,7 @@
                     <a:bodyPr/>
                     <a:lstStyle/>
                     <a:p>
-                      <a:pPr marL="0" marR="0" lvl="0" indent="0" algn="l" rtl="0">
-                        <a:spcBef>
-                          <a:spcPts val="0"/>
-                        </a:spcBef>
-                        <a:spcAft>
-                          <a:spcPts val="0"/>
-                        </a:spcAft>
-                        <a:buNone/>
-                      </a:pPr>
-                      <a:r>
-                        <a:rPr lang="en-US" sz="1275" b="1" i="0" u="none" strike="noStrike" cap="none">
-                          <a:solidFill>
-                            <a:srgbClr val="00D4A0"/>
-                          </a:solidFill>
-                          <a:latin typeface="Calibri"/>
-                          <a:ea typeface="Calibri"/>
-                          <a:cs typeface="Calibri"/>
-                          <a:sym typeface="Calibri"/>
-                        </a:rPr>
-                        <a:t>3.20%</a:t>
-                      </a:r>
-                      <a:endParaRPr/>
-                    </a:p>
-                  </a:txBody>
-                  <a:tcPr marL="63500" marR="63500" marT="25400" marB="25400" anchor="ctr">
-                    <a:lnL w="9525" cap="flat" cmpd="sng">
-                      <a:solidFill>
-                        <a:srgbClr val="000000">
-                          <a:alpha val="0"/>
-                        </a:srgbClr>
-                      </a:solidFill>
-                      <a:prstDash val="solid"/>
-                      <a:round/>
-                      <a:headEnd type="none" w="sm" len="sm"/>
-                      <a:tailEnd type="none" w="sm" len="sm"/>
-                    </a:lnL>
-                    <a:lnR w="9525" cap="flat" cmpd="sng">
-                      <a:solidFill>
-                        <a:srgbClr val="000000">
-                          <a:alpha val="0"/>
-                        </a:srgbClr>
-                      </a:solidFill>
-                      <a:prstDash val="solid"/>
-                      <a:round/>
-                      <a:headEnd type="none" w="sm" len="sm"/>
-                      <a:tailEnd type="none" w="sm" len="sm"/>
-                    </a:lnR>
-                    <a:lnT w="9525" cap="flat" cmpd="sng">
-                      <a:solidFill>
-                        <a:srgbClr val="000000">
-                          <a:alpha val="0"/>
-                        </a:srgbClr>
-                      </a:solidFill>
-                      <a:prstDash val="solid"/>
-                      <a:round/>
-                      <a:headEnd type="none" w="sm" len="sm"/>
-                      <a:tailEnd type="none" w="sm" len="sm"/>
-                    </a:lnT>
-                    <a:lnB w="9525" cap="flat" cmpd="sng">
-                      <a:solidFill>
-                        <a:srgbClr val="000000">
-                          <a:alpha val="0"/>
-                        </a:srgbClr>
-                      </a:solidFill>
-                      <a:prstDash val="solid"/>
-                      <a:round/>
-                      <a:headEnd type="none" w="sm" len="sm"/>
-                      <a:tailEnd type="none" w="sm" len="sm"/>
-                    </a:lnB>
-                    <a:solidFill>
-                      <a:srgbClr val="0F1420"/>
-                    </a:solidFill>
-                  </a:tcPr>
-                </a:tc>
-                <a:tc>
-                  <a:txBody>
-                    <a:bodyPr/>
-                    <a:lstStyle/>
-                    <a:p>
-                      <a:pPr marL="0" marR="0" lvl="0" indent="0" algn="l" rtl="0">
-                        <a:spcBef>
-                          <a:spcPts val="0"/>
-                        </a:spcBef>
-                        <a:spcAft>
-                          <a:spcPts val="0"/>
-                        </a:spcAft>
-                        <a:buNone/>
-                      </a:pPr>
-                      <a:r>
-                        <a:rPr lang="en-US" sz="1125" b="0" i="0" u="none" strike="noStrike" cap="none">
-                          <a:solidFill>
-                            <a:srgbClr val="C8D4F0"/>
-                          </a:solidFill>
-                          <a:latin typeface="Calibri"/>
-                          <a:ea typeface="Calibri"/>
-                          <a:cs typeface="Calibri"/>
-                          <a:sym typeface="Calibri"/>
-                        </a:rPr>
-                        <a:t>35%</a:t>
-                      </a:r>
-                      <a:endParaRPr/>
-                    </a:p>
-                  </a:txBody>
-                  <a:tcPr marL="63500" marR="63500" marT="25400" marB="25400" anchor="ctr">
-                    <a:lnL w="9525" cap="flat" cmpd="sng">
-                      <a:solidFill>
-                        <a:srgbClr val="000000">
-                          <a:alpha val="0"/>
-                        </a:srgbClr>
-                      </a:solidFill>
-                      <a:prstDash val="solid"/>
-                      <a:round/>
-                      <a:headEnd type="none" w="sm" len="sm"/>
-                      <a:tailEnd type="none" w="sm" len="sm"/>
-                    </a:lnL>
-                    <a:lnR w="9525" cap="flat" cmpd="sng">
-                      <a:solidFill>
-                        <a:srgbClr val="000000">
-                          <a:alpha val="0"/>
-                        </a:srgbClr>
-                      </a:solidFill>
-                      <a:prstDash val="solid"/>
-                      <a:round/>
-                      <a:headEnd type="none" w="sm" len="sm"/>
-                      <a:tailEnd type="none" w="sm" len="sm"/>
-                    </a:lnR>
-                    <a:lnT w="9525" cap="flat" cmpd="sng">
-                      <a:solidFill>
-                        <a:srgbClr val="000000">
-                          <a:alpha val="0"/>
-                        </a:srgbClr>
-                      </a:solidFill>
-                      <a:prstDash val="solid"/>
-                      <a:round/>
-                      <a:headEnd type="none" w="sm" len="sm"/>
-                      <a:tailEnd type="none" w="sm" len="sm"/>
-                    </a:lnT>
-                    <a:lnB w="9525" cap="flat" cmpd="sng">
-                      <a:solidFill>
-                        <a:srgbClr val="000000">
-                          <a:alpha val="0"/>
-                        </a:srgbClr>
-                      </a:solidFill>
-                      <a:prstDash val="solid"/>
-                      <a:round/>
-                      <a:headEnd type="none" w="sm" len="sm"/>
-                      <a:tailEnd type="none" w="sm" len="sm"/>
-                    </a:lnB>
-                    <a:solidFill>
-                      <a:srgbClr val="0F1420"/>
-                    </a:solidFill>
-                  </a:tcPr>
-                </a:tc>
-                <a:tc>
-                  <a:txBody>
-                    <a:bodyPr/>
-                    <a:lstStyle/>
-                    <a:p>
-                      <a:pPr marL="0" marR="0" lvl="0" indent="0" algn="l" rtl="0">
+                      <a:pPr marL="0" marR="0" lvl="0" indent="0" algn="ctr" rtl="0">
                         <a:spcBef>
                           <a:spcPts val="0"/>
                         </a:spcBef>
@@ -28126,7 +28132,7 @@
                     <a:bodyPr/>
                     <a:lstStyle/>
                     <a:p>
-                      <a:pPr marL="0" marR="0" lvl="0" indent="0" algn="l" rtl="0">
+                      <a:pPr marL="0" marR="0" lvl="0" indent="0" algn="ctr" rtl="0">
                         <a:spcBef>
                           <a:spcPts val="0"/>
                         </a:spcBef>
@@ -28205,7 +28211,165 @@
                     <a:bodyPr/>
                     <a:lstStyle/>
                     <a:p>
-                      <a:pPr marL="0" marR="0" lvl="0" indent="0" algn="l" rtl="0">
+                      <a:pPr marL="0" marR="0" lvl="0" indent="0" algn="ctr" rtl="0">
+                        <a:spcBef>
+                          <a:spcPts val="0"/>
+                        </a:spcBef>
+                        <a:spcAft>
+                          <a:spcPts val="0"/>
+                        </a:spcAft>
+                        <a:buNone/>
+                      </a:pPr>
+                      <a:r>
+                        <a:rPr lang="en-US" sz="1125" b="0" i="0" u="none" strike="noStrike" cap="none" dirty="0">
+                          <a:solidFill>
+                            <a:srgbClr val="C8D4F0"/>
+                          </a:solidFill>
+                          <a:latin typeface="Calibri"/>
+                          <a:ea typeface="Calibri"/>
+                          <a:cs typeface="Calibri"/>
+                          <a:sym typeface="Calibri"/>
+                        </a:rPr>
+                        <a:t>45%</a:t>
+                      </a:r>
+                      <a:endParaRPr dirty="0"/>
+                    </a:p>
+                  </a:txBody>
+                  <a:tcPr marL="63500" marR="63500" marT="25400" marB="25400" anchor="ctr">
+                    <a:lnL w="9525" cap="flat" cmpd="sng">
+                      <a:solidFill>
+                        <a:srgbClr val="000000">
+                          <a:alpha val="0"/>
+                        </a:srgbClr>
+                      </a:solidFill>
+                      <a:prstDash val="solid"/>
+                      <a:round/>
+                      <a:headEnd type="none" w="sm" len="sm"/>
+                      <a:tailEnd type="none" w="sm" len="sm"/>
+                    </a:lnL>
+                    <a:lnR w="9525" cap="flat" cmpd="sng">
+                      <a:solidFill>
+                        <a:srgbClr val="000000">
+                          <a:alpha val="0"/>
+                        </a:srgbClr>
+                      </a:solidFill>
+                      <a:prstDash val="solid"/>
+                      <a:round/>
+                      <a:headEnd type="none" w="sm" len="sm"/>
+                      <a:tailEnd type="none" w="sm" len="sm"/>
+                    </a:lnR>
+                    <a:lnT w="9525" cap="flat" cmpd="sng">
+                      <a:solidFill>
+                        <a:srgbClr val="000000">
+                          <a:alpha val="0"/>
+                        </a:srgbClr>
+                      </a:solidFill>
+                      <a:prstDash val="solid"/>
+                      <a:round/>
+                      <a:headEnd type="none" w="sm" len="sm"/>
+                      <a:tailEnd type="none" w="sm" len="sm"/>
+                    </a:lnT>
+                    <a:lnB w="9525" cap="flat" cmpd="sng">
+                      <a:solidFill>
+                        <a:srgbClr val="000000">
+                          <a:alpha val="0"/>
+                        </a:srgbClr>
+                      </a:solidFill>
+                      <a:prstDash val="solid"/>
+                      <a:round/>
+                      <a:headEnd type="none" w="sm" len="sm"/>
+                      <a:tailEnd type="none" w="sm" len="sm"/>
+                    </a:lnB>
+                    <a:solidFill>
+                      <a:srgbClr val="0F1420"/>
+                    </a:solidFill>
+                  </a:tcPr>
+                </a:tc>
+                <a:tc>
+                  <a:txBody>
+                    <a:bodyPr/>
+                    <a:lstStyle/>
+                    <a:p>
+                      <a:pPr marL="0" marR="0" lvl="0" indent="0" algn="ctr" rtl="0">
+                        <a:spcBef>
+                          <a:spcPts val="0"/>
+                        </a:spcBef>
+                        <a:spcAft>
+                          <a:spcPts val="0"/>
+                        </a:spcAft>
+                        <a:buNone/>
+                      </a:pPr>
+                      <a:r>
+                        <a:rPr lang="en-US" sz="1275" b="1" i="0" u="none" strike="noStrike" cap="none" dirty="0">
+                          <a:solidFill>
+                            <a:srgbClr val="F0A500"/>
+                          </a:solidFill>
+                          <a:latin typeface="Calibri"/>
+                          <a:ea typeface="Calibri"/>
+                          <a:cs typeface="Calibri"/>
+                          <a:sym typeface="Calibri"/>
+                        </a:rPr>
+                        <a:t>7.70%</a:t>
+                      </a:r>
+                      <a:endParaRPr dirty="0"/>
+                    </a:p>
+                  </a:txBody>
+                  <a:tcPr marL="63500" marR="63500" marT="25400" marB="25400" anchor="ctr">
+                    <a:lnL w="9525" cap="flat" cmpd="sng">
+                      <a:solidFill>
+                        <a:srgbClr val="000000">
+                          <a:alpha val="0"/>
+                        </a:srgbClr>
+                      </a:solidFill>
+                      <a:prstDash val="solid"/>
+                      <a:round/>
+                      <a:headEnd type="none" w="sm" len="sm"/>
+                      <a:tailEnd type="none" w="sm" len="sm"/>
+                    </a:lnL>
+                    <a:lnR w="9525" cap="flat" cmpd="sng">
+                      <a:solidFill>
+                        <a:srgbClr val="000000">
+                          <a:alpha val="0"/>
+                        </a:srgbClr>
+                      </a:solidFill>
+                      <a:prstDash val="solid"/>
+                      <a:round/>
+                      <a:headEnd type="none" w="sm" len="sm"/>
+                      <a:tailEnd type="none" w="sm" len="sm"/>
+                    </a:lnR>
+                    <a:lnT w="9525" cap="flat" cmpd="sng">
+                      <a:solidFill>
+                        <a:srgbClr val="000000">
+                          <a:alpha val="0"/>
+                        </a:srgbClr>
+                      </a:solidFill>
+                      <a:prstDash val="solid"/>
+                      <a:round/>
+                      <a:headEnd type="none" w="sm" len="sm"/>
+                      <a:tailEnd type="none" w="sm" len="sm"/>
+                    </a:lnT>
+                    <a:lnB w="9525" cap="flat" cmpd="sng">
+                      <a:solidFill>
+                        <a:srgbClr val="000000">
+                          <a:alpha val="0"/>
+                        </a:srgbClr>
+                      </a:solidFill>
+                      <a:prstDash val="solid"/>
+                      <a:round/>
+                      <a:headEnd type="none" w="sm" len="sm"/>
+                      <a:tailEnd type="none" w="sm" len="sm"/>
+                    </a:lnB>
+                    <a:solidFill>
+                      <a:srgbClr val="0F1420"/>
+                    </a:solidFill>
+                  </a:tcPr>
+                </a:tc>
+                <a:tc>
+                  <a:txBody>
+                    <a:bodyPr/>
+                    <a:lstStyle/>
+                    <a:p>
+                      <a:pPr marL="0" marR="0" lvl="0" indent="0" algn="ctr" rtl="0">
                         <a:spcBef>
                           <a:spcPts val="0"/>
                         </a:spcBef>
@@ -28284,165 +28448,7 @@
                     <a:bodyPr/>
                     <a:lstStyle/>
                     <a:p>
-                      <a:pPr marL="0" marR="0" lvl="0" indent="0" algn="l" rtl="0">
-                        <a:spcBef>
-                          <a:spcPts val="0"/>
-                        </a:spcBef>
-                        <a:spcAft>
-                          <a:spcPts val="0"/>
-                        </a:spcAft>
-                        <a:buNone/>
-                      </a:pPr>
-                      <a:r>
-                        <a:rPr lang="en-US" sz="1275" b="1" i="0" u="none" strike="noStrike" cap="none">
-                          <a:solidFill>
-                            <a:srgbClr val="F0A500"/>
-                          </a:solidFill>
-                          <a:latin typeface="Calibri"/>
-                          <a:ea typeface="Calibri"/>
-                          <a:cs typeface="Calibri"/>
-                          <a:sym typeface="Calibri"/>
-                        </a:rPr>
-                        <a:t>7.70%</a:t>
-                      </a:r>
-                      <a:endParaRPr/>
-                    </a:p>
-                  </a:txBody>
-                  <a:tcPr marL="63500" marR="63500" marT="25400" marB="25400" anchor="ctr">
-                    <a:lnL w="9525" cap="flat" cmpd="sng">
-                      <a:solidFill>
-                        <a:srgbClr val="000000">
-                          <a:alpha val="0"/>
-                        </a:srgbClr>
-                      </a:solidFill>
-                      <a:prstDash val="solid"/>
-                      <a:round/>
-                      <a:headEnd type="none" w="sm" len="sm"/>
-                      <a:tailEnd type="none" w="sm" len="sm"/>
-                    </a:lnL>
-                    <a:lnR w="9525" cap="flat" cmpd="sng">
-                      <a:solidFill>
-                        <a:srgbClr val="000000">
-                          <a:alpha val="0"/>
-                        </a:srgbClr>
-                      </a:solidFill>
-                      <a:prstDash val="solid"/>
-                      <a:round/>
-                      <a:headEnd type="none" w="sm" len="sm"/>
-                      <a:tailEnd type="none" w="sm" len="sm"/>
-                    </a:lnR>
-                    <a:lnT w="9525" cap="flat" cmpd="sng">
-                      <a:solidFill>
-                        <a:srgbClr val="000000">
-                          <a:alpha val="0"/>
-                        </a:srgbClr>
-                      </a:solidFill>
-                      <a:prstDash val="solid"/>
-                      <a:round/>
-                      <a:headEnd type="none" w="sm" len="sm"/>
-                      <a:tailEnd type="none" w="sm" len="sm"/>
-                    </a:lnT>
-                    <a:lnB w="9525" cap="flat" cmpd="sng">
-                      <a:solidFill>
-                        <a:srgbClr val="000000">
-                          <a:alpha val="0"/>
-                        </a:srgbClr>
-                      </a:solidFill>
-                      <a:prstDash val="solid"/>
-                      <a:round/>
-                      <a:headEnd type="none" w="sm" len="sm"/>
-                      <a:tailEnd type="none" w="sm" len="sm"/>
-                    </a:lnB>
-                    <a:solidFill>
-                      <a:srgbClr val="0F1420"/>
-                    </a:solidFill>
-                  </a:tcPr>
-                </a:tc>
-                <a:tc>
-                  <a:txBody>
-                    <a:bodyPr/>
-                    <a:lstStyle/>
-                    <a:p>
-                      <a:pPr marL="0" marR="0" lvl="0" indent="0" algn="l" rtl="0">
-                        <a:spcBef>
-                          <a:spcPts val="0"/>
-                        </a:spcBef>
-                        <a:spcAft>
-                          <a:spcPts val="0"/>
-                        </a:spcAft>
-                        <a:buNone/>
-                      </a:pPr>
-                      <a:r>
-                        <a:rPr lang="en-US" sz="1125" b="0" i="0" u="none" strike="noStrike" cap="none">
-                          <a:solidFill>
-                            <a:srgbClr val="C8D4F0"/>
-                          </a:solidFill>
-                          <a:latin typeface="Calibri"/>
-                          <a:ea typeface="Calibri"/>
-                          <a:cs typeface="Calibri"/>
-                          <a:sym typeface="Calibri"/>
-                        </a:rPr>
-                        <a:t>45%</a:t>
-                      </a:r>
-                      <a:endParaRPr/>
-                    </a:p>
-                  </a:txBody>
-                  <a:tcPr marL="63500" marR="63500" marT="25400" marB="25400" anchor="ctr">
-                    <a:lnL w="9525" cap="flat" cmpd="sng">
-                      <a:solidFill>
-                        <a:srgbClr val="000000">
-                          <a:alpha val="0"/>
-                        </a:srgbClr>
-                      </a:solidFill>
-                      <a:prstDash val="solid"/>
-                      <a:round/>
-                      <a:headEnd type="none" w="sm" len="sm"/>
-                      <a:tailEnd type="none" w="sm" len="sm"/>
-                    </a:lnL>
-                    <a:lnR w="9525" cap="flat" cmpd="sng">
-                      <a:solidFill>
-                        <a:srgbClr val="000000">
-                          <a:alpha val="0"/>
-                        </a:srgbClr>
-                      </a:solidFill>
-                      <a:prstDash val="solid"/>
-                      <a:round/>
-                      <a:headEnd type="none" w="sm" len="sm"/>
-                      <a:tailEnd type="none" w="sm" len="sm"/>
-                    </a:lnR>
-                    <a:lnT w="9525" cap="flat" cmpd="sng">
-                      <a:solidFill>
-                        <a:srgbClr val="000000">
-                          <a:alpha val="0"/>
-                        </a:srgbClr>
-                      </a:solidFill>
-                      <a:prstDash val="solid"/>
-                      <a:round/>
-                      <a:headEnd type="none" w="sm" len="sm"/>
-                      <a:tailEnd type="none" w="sm" len="sm"/>
-                    </a:lnT>
-                    <a:lnB w="9525" cap="flat" cmpd="sng">
-                      <a:solidFill>
-                        <a:srgbClr val="000000">
-                          <a:alpha val="0"/>
-                        </a:srgbClr>
-                      </a:solidFill>
-                      <a:prstDash val="solid"/>
-                      <a:round/>
-                      <a:headEnd type="none" w="sm" len="sm"/>
-                      <a:tailEnd type="none" w="sm" len="sm"/>
-                    </a:lnB>
-                    <a:solidFill>
-                      <a:srgbClr val="0F1420"/>
-                    </a:solidFill>
-                  </a:tcPr>
-                </a:tc>
-                <a:tc>
-                  <a:txBody>
-                    <a:bodyPr/>
-                    <a:lstStyle/>
-                    <a:p>
-                      <a:pPr marL="0" marR="0" lvl="0" indent="0" algn="l" rtl="0">
+                      <a:pPr marL="0" marR="0" lvl="0" indent="0" algn="ctr" rtl="0">
                         <a:spcBef>
                           <a:spcPts val="0"/>
                         </a:spcBef>
@@ -28528,7 +28534,7 @@
                     <a:bodyPr/>
                     <a:lstStyle/>
                     <a:p>
-                      <a:pPr marL="0" marR="0" lvl="0" indent="0" algn="l" rtl="0">
+                      <a:pPr marL="0" marR="0" lvl="0" indent="0" algn="ctr" rtl="0">
                         <a:spcBef>
                           <a:spcPts val="0"/>
                         </a:spcBef>
@@ -28607,7 +28613,7 @@
                     <a:bodyPr/>
                     <a:lstStyle/>
                     <a:p>
-                      <a:pPr marL="0" marR="0" lvl="0" indent="0" algn="l" rtl="0">
+                      <a:pPr marL="0" marR="0" lvl="0" indent="0" algn="ctr" rtl="0">
                         <a:spcBef>
                           <a:spcPts val="0"/>
                         </a:spcBef>
@@ -28686,7 +28692,7 @@
                     <a:bodyPr/>
                     <a:lstStyle/>
                     <a:p>
-                      <a:pPr marL="0" marR="0" lvl="0" indent="0" algn="l" rtl="0">
+                      <a:pPr marL="0" marR="0" lvl="0" indent="0" algn="ctr" rtl="0">
                         <a:spcBef>
                           <a:spcPts val="0"/>
                         </a:spcBef>
@@ -28696,7 +28702,7 @@
                         <a:buNone/>
                       </a:pPr>
                       <a:r>
-                        <a:rPr lang="en-US" sz="1275" b="1" i="0" u="none" strike="noStrike" cap="none">
+                        <a:rPr lang="en-US" sz="1275" b="1" i="0" u="none" strike="noStrike" cap="none" dirty="0">
                           <a:solidFill>
                             <a:srgbClr val="E84040"/>
                           </a:solidFill>
@@ -28707,7 +28713,7 @@
                         </a:rPr>
                         <a:t>20.06%</a:t>
                       </a:r>
-                      <a:endParaRPr/>
+                      <a:endParaRPr dirty="0"/>
                     </a:p>
                   </a:txBody>
                   <a:tcPr marL="63500" marR="63500" marT="25400" marB="25400" anchor="ctr">
@@ -28765,7 +28771,7 @@
                     <a:bodyPr/>
                     <a:lstStyle/>
                     <a:p>
-                      <a:pPr marL="0" marR="0" lvl="0" indent="0" algn="l" rtl="0">
+                      <a:pPr marL="0" marR="0" lvl="0" indent="0" algn="ctr" rtl="0">
                         <a:spcBef>
                           <a:spcPts val="0"/>
                         </a:spcBef>
@@ -28775,7 +28781,7 @@
                         <a:buNone/>
                       </a:pPr>
                       <a:r>
-                        <a:rPr lang="en-US" sz="1125" b="0" i="0" u="none" strike="noStrike" cap="none">
+                        <a:rPr lang="en-US" sz="1125" b="0" i="0" u="none" strike="noStrike" cap="none" dirty="0">
                           <a:solidFill>
                             <a:srgbClr val="C8D4F0"/>
                           </a:solidFill>
@@ -28786,7 +28792,7 @@
                         </a:rPr>
                         <a:t>60%</a:t>
                       </a:r>
-                      <a:endParaRPr/>
+                      <a:endParaRPr dirty="0"/>
                     </a:p>
                   </a:txBody>
                   <a:tcPr marL="63500" marR="63500" marT="25400" marB="25400" anchor="ctr">
@@ -28844,7 +28850,7 @@
                     <a:bodyPr/>
                     <a:lstStyle/>
                     <a:p>
-                      <a:pPr marL="0" marR="0" lvl="0" indent="0" algn="l" rtl="0">
+                      <a:pPr marL="0" marR="0" lvl="0" indent="0" algn="ctr" rtl="0">
                         <a:spcBef>
                           <a:spcPts val="0"/>
                         </a:spcBef>
@@ -28854,7 +28860,7 @@
                         <a:buNone/>
                       </a:pPr>
                       <a:r>
-                        <a:rPr lang="en-US" sz="1125" b="0" i="0" u="none" strike="noStrike" cap="none">
+                        <a:rPr lang="en-US" sz="1125" b="0" i="0" u="none" strike="noStrike" cap="none" dirty="0">
                           <a:solidFill>
                             <a:srgbClr val="C8D4F0"/>
                           </a:solidFill>
@@ -28865,7 +28871,7 @@
                         </a:rPr>
                         <a:t>~48%</a:t>
                       </a:r>
-                      <a:endParaRPr/>
+                      <a:endParaRPr dirty="0"/>
                     </a:p>
                   </a:txBody>
                   <a:tcPr marL="63500" marR="63500" marT="25400" marB="25400" anchor="ctr">
@@ -28930,7 +28936,7 @@
                     <a:bodyPr/>
                     <a:lstStyle/>
                     <a:p>
-                      <a:pPr marL="0" marR="0" lvl="0" indent="0" algn="l" rtl="0">
+                      <a:pPr marL="0" marR="0" lvl="0" indent="0" algn="ctr" rtl="0">
                         <a:spcBef>
                           <a:spcPts val="0"/>
                         </a:spcBef>
@@ -29009,7 +29015,7 @@
                     <a:bodyPr/>
                     <a:lstStyle/>
                     <a:p>
-                      <a:pPr marL="0" marR="0" lvl="0" indent="0" algn="l" rtl="0">
+                      <a:pPr marL="0" marR="0" lvl="0" indent="0" algn="ctr" rtl="0">
                         <a:spcBef>
                           <a:spcPts val="0"/>
                         </a:spcBef>
@@ -29088,7 +29094,7 @@
                     <a:bodyPr/>
                     <a:lstStyle/>
                     <a:p>
-                      <a:pPr marL="0" marR="0" lvl="0" indent="0" algn="l" rtl="0">
+                      <a:pPr marL="0" marR="0" lvl="0" indent="0" algn="ctr" rtl="0">
                         <a:spcBef>
                           <a:spcPts val="0"/>
                         </a:spcBef>
@@ -29167,7 +29173,7 @@
                     <a:bodyPr/>
                     <a:lstStyle/>
                     <a:p>
-                      <a:pPr marL="0" marR="0" lvl="0" indent="0" algn="l" rtl="0">
+                      <a:pPr marL="0" marR="0" lvl="0" indent="0" algn="ctr" rtl="0">
                         <a:spcBef>
                           <a:spcPts val="0"/>
                         </a:spcBef>
@@ -29246,7 +29252,7 @@
                     <a:bodyPr/>
                     <a:lstStyle/>
                     <a:p>
-                      <a:pPr marL="0" marR="0" lvl="0" indent="0" algn="l" rtl="0">
+                      <a:pPr marL="0" marR="0" lvl="0" indent="0" algn="ctr" rtl="0">
                         <a:spcBef>
                           <a:spcPts val="0"/>
                         </a:spcBef>
@@ -29256,7 +29262,7 @@
                         <a:buNone/>
                       </a:pPr>
                       <a:r>
-                        <a:rPr lang="en-US" sz="1125" b="1" i="0" u="none" strike="noStrike" cap="none">
+                        <a:rPr lang="en-US" sz="1125" b="1" i="0" u="none" strike="noStrike" cap="none" dirty="0">
                           <a:solidFill>
                             <a:srgbClr val="C8D4F0"/>
                           </a:solidFill>
@@ -29267,7 +29273,7 @@
                         </a:rPr>
                         <a:t>~37%</a:t>
                       </a:r>
-                      <a:endParaRPr/>
+                      <a:endParaRPr dirty="0"/>
                     </a:p>
                   </a:txBody>
                   <a:tcPr marL="63500" marR="63500" marT="25400" marB="25400" anchor="ctr">
